--- a/layoutMenú.pptx
+++ b/layoutMenú.pptx
@@ -104,6 +104,11 @@
       </a:defRPr>
     </a:lvl9pPr>
   </p:defaultTextStyle>
+  <p:extLst>
+    <p:ext uri="{EFAFB233-063F-42B5-8137-9DF3F51BA10A}">
+      <p15:sldGuideLst xmlns:p15="http://schemas.microsoft.com/office/powerpoint/2012/main"/>
+    </p:ext>
+  </p:extLst>
 </p:presentation>
 </file>
 

--- a/layoutMenú.pptx
+++ b/layoutMenú.pptx
@@ -6,6 +6,7 @@
   </p:sldMasterIdLst>
   <p:sldIdLst>
     <p:sldId id="257" r:id="rId2"/>
+    <p:sldId id="258" r:id="rId3"/>
   </p:sldIdLst>
   <p:sldSz cx="12192000" cy="6858000"/>
   <p:notesSz cx="6858000" cy="9144000"/>
@@ -110,6 +111,242 @@
     </p:ext>
   </p:extLst>
 </p:presentation>
+</file>
+
+<file path=ppt/revisionInfo.xml><?xml version="1.0" encoding="utf-8"?>
+<p1510:revInfo xmlns:a="http://schemas.openxmlformats.org/drawingml/2006/main" xmlns:r="http://schemas.openxmlformats.org/officeDocument/2006/relationships" xmlns:p1510="http://schemas.microsoft.com/office/powerpoint/2015/10/main">
+  <p1510:revLst>
+    <p1510:client id="{B7304570-CC39-4CAB-AEB8-58E93144983C}" v="13" dt="2024-08-18T22:22:23.867"/>
+  </p1510:revLst>
+</p1510:revInfo>
+</file>
+
+<file path=ppt/changesInfos/changesInfo1.xml><?xml version="1.0" encoding="utf-8"?>
+<pc:chgInfo xmlns:a="http://schemas.openxmlformats.org/drawingml/2006/main" xmlns:r="http://schemas.openxmlformats.org/officeDocument/2006/relationships" xmlns:ac="http://schemas.microsoft.com/office/drawing/2013/main/command" xmlns:pc="http://schemas.microsoft.com/office/powerpoint/2013/main/command">
+  <pc:docChgLst>
+    <pc:chgData name="Brayan Presiga Sepulveda" userId="93e047d1-d0f4-48b1-b31b-598fc0d2f576" providerId="ADAL" clId="{B7304570-CC39-4CAB-AEB8-58E93144983C}"/>
+    <pc:docChg chg="undo custSel addSld modSld">
+      <pc:chgData name="Brayan Presiga Sepulveda" userId="93e047d1-d0f4-48b1-b31b-598fc0d2f576" providerId="ADAL" clId="{B7304570-CC39-4CAB-AEB8-58E93144983C}" dt="2024-08-18T22:23:49.338" v="333" actId="20577"/>
+      <pc:docMkLst>
+        <pc:docMk/>
+      </pc:docMkLst>
+      <pc:sldChg chg="addSp delSp modSp mod">
+        <pc:chgData name="Brayan Presiga Sepulveda" userId="93e047d1-d0f4-48b1-b31b-598fc0d2f576" providerId="ADAL" clId="{B7304570-CC39-4CAB-AEB8-58E93144983C}" dt="2024-08-18T22:14:22.682" v="121" actId="1076"/>
+        <pc:sldMkLst>
+          <pc:docMk/>
+          <pc:sldMk cId="3864271913" sldId="257"/>
+        </pc:sldMkLst>
+        <pc:spChg chg="add mod">
+          <ac:chgData name="Brayan Presiga Sepulveda" userId="93e047d1-d0f4-48b1-b31b-598fc0d2f576" providerId="ADAL" clId="{B7304570-CC39-4CAB-AEB8-58E93144983C}" dt="2024-08-18T22:07:21.416" v="2" actId="207"/>
+          <ac:spMkLst>
+            <pc:docMk/>
+            <pc:sldMk cId="3864271913" sldId="257"/>
+            <ac:spMk id="3" creationId="{F72AAFF1-2E89-9B7E-56D1-1600F564F514}"/>
+          </ac:spMkLst>
+        </pc:spChg>
+        <pc:spChg chg="add mod">
+          <ac:chgData name="Brayan Presiga Sepulveda" userId="93e047d1-d0f4-48b1-b31b-598fc0d2f576" providerId="ADAL" clId="{B7304570-CC39-4CAB-AEB8-58E93144983C}" dt="2024-08-18T22:09:11.564" v="33" actId="1076"/>
+          <ac:spMkLst>
+            <pc:docMk/>
+            <pc:sldMk cId="3864271913" sldId="257"/>
+            <ac:spMk id="4" creationId="{E02B31DC-814C-09AA-E3A6-A57F92279BB0}"/>
+          </ac:spMkLst>
+        </pc:spChg>
+        <pc:spChg chg="add mod">
+          <ac:chgData name="Brayan Presiga Sepulveda" userId="93e047d1-d0f4-48b1-b31b-598fc0d2f576" providerId="ADAL" clId="{B7304570-CC39-4CAB-AEB8-58E93144983C}" dt="2024-08-18T22:08:33.033" v="24" actId="122"/>
+          <ac:spMkLst>
+            <pc:docMk/>
+            <pc:sldMk cId="3864271913" sldId="257"/>
+            <ac:spMk id="5" creationId="{3ED4BAC0-E4EF-B0E1-D002-989ED0636895}"/>
+          </ac:spMkLst>
+        </pc:spChg>
+        <pc:spChg chg="add mod">
+          <ac:chgData name="Brayan Presiga Sepulveda" userId="93e047d1-d0f4-48b1-b31b-598fc0d2f576" providerId="ADAL" clId="{B7304570-CC39-4CAB-AEB8-58E93144983C}" dt="2024-08-18T22:08:54.509" v="29" actId="207"/>
+          <ac:spMkLst>
+            <pc:docMk/>
+            <pc:sldMk cId="3864271913" sldId="257"/>
+            <ac:spMk id="6" creationId="{7C5499A3-21D0-1837-9EF3-1982D223AB48}"/>
+          </ac:spMkLst>
+        </pc:spChg>
+        <pc:spChg chg="add mod">
+          <ac:chgData name="Brayan Presiga Sepulveda" userId="93e047d1-d0f4-48b1-b31b-598fc0d2f576" providerId="ADAL" clId="{B7304570-CC39-4CAB-AEB8-58E93144983C}" dt="2024-08-18T22:09:14.814" v="34" actId="1076"/>
+          <ac:spMkLst>
+            <pc:docMk/>
+            <pc:sldMk cId="3864271913" sldId="257"/>
+            <ac:spMk id="7" creationId="{1463673C-89D2-EB0E-1B6E-5DB497C9342C}"/>
+          </ac:spMkLst>
+        </pc:spChg>
+        <pc:spChg chg="add mod">
+          <ac:chgData name="Brayan Presiga Sepulveda" userId="93e047d1-d0f4-48b1-b31b-598fc0d2f576" providerId="ADAL" clId="{B7304570-CC39-4CAB-AEB8-58E93144983C}" dt="2024-08-18T22:10:02.341" v="43" actId="14100"/>
+          <ac:spMkLst>
+            <pc:docMk/>
+            <pc:sldMk cId="3864271913" sldId="257"/>
+            <ac:spMk id="8" creationId="{7D633432-EC4D-2795-18D9-3DB9800FC18B}"/>
+          </ac:spMkLst>
+        </pc:spChg>
+        <pc:spChg chg="add mod">
+          <ac:chgData name="Brayan Presiga Sepulveda" userId="93e047d1-d0f4-48b1-b31b-598fc0d2f576" providerId="ADAL" clId="{B7304570-CC39-4CAB-AEB8-58E93144983C}" dt="2024-08-18T22:09:42.695" v="38"/>
+          <ac:spMkLst>
+            <pc:docMk/>
+            <pc:sldMk cId="3864271913" sldId="257"/>
+            <ac:spMk id="9" creationId="{077B34B3-1C6A-9336-227A-FF469FF3BF93}"/>
+          </ac:spMkLst>
+        </pc:spChg>
+        <pc:spChg chg="add">
+          <ac:chgData name="Brayan Presiga Sepulveda" userId="93e047d1-d0f4-48b1-b31b-598fc0d2f576" providerId="ADAL" clId="{B7304570-CC39-4CAB-AEB8-58E93144983C}" dt="2024-08-18T22:10:15.067" v="44" actId="11529"/>
+          <ac:spMkLst>
+            <pc:docMk/>
+            <pc:sldMk cId="3864271913" sldId="257"/>
+            <ac:spMk id="10" creationId="{79D9EDBD-7BE9-1743-A0B0-03430396936A}"/>
+          </ac:spMkLst>
+        </pc:spChg>
+        <pc:spChg chg="add mod">
+          <ac:chgData name="Brayan Presiga Sepulveda" userId="93e047d1-d0f4-48b1-b31b-598fc0d2f576" providerId="ADAL" clId="{B7304570-CC39-4CAB-AEB8-58E93144983C}" dt="2024-08-18T22:10:45.682" v="46" actId="207"/>
+          <ac:spMkLst>
+            <pc:docMk/>
+            <pc:sldMk cId="3864271913" sldId="257"/>
+            <ac:spMk id="11" creationId="{937E192C-15F6-B435-6FE6-C02665D1612B}"/>
+          </ac:spMkLst>
+        </pc:spChg>
+        <pc:spChg chg="add del">
+          <ac:chgData name="Brayan Presiga Sepulveda" userId="93e047d1-d0f4-48b1-b31b-598fc0d2f576" providerId="ADAL" clId="{B7304570-CC39-4CAB-AEB8-58E93144983C}" dt="2024-08-18T22:11:53.981" v="48" actId="21"/>
+          <ac:spMkLst>
+            <pc:docMk/>
+            <pc:sldMk cId="3864271913" sldId="257"/>
+            <ac:spMk id="12" creationId="{6E5786EF-EF10-F494-64C7-681D2A7B1DE4}"/>
+          </ac:spMkLst>
+        </pc:spChg>
+        <pc:spChg chg="add mod">
+          <ac:chgData name="Brayan Presiga Sepulveda" userId="93e047d1-d0f4-48b1-b31b-598fc0d2f576" providerId="ADAL" clId="{B7304570-CC39-4CAB-AEB8-58E93144983C}" dt="2024-08-18T22:12:12.254" v="51" actId="207"/>
+          <ac:spMkLst>
+            <pc:docMk/>
+            <pc:sldMk cId="3864271913" sldId="257"/>
+            <ac:spMk id="13" creationId="{CAD7758F-0383-C76C-7568-F066DF28EEE8}"/>
+          </ac:spMkLst>
+        </pc:spChg>
+        <pc:spChg chg="add mod">
+          <ac:chgData name="Brayan Presiga Sepulveda" userId="93e047d1-d0f4-48b1-b31b-598fc0d2f576" providerId="ADAL" clId="{B7304570-CC39-4CAB-AEB8-58E93144983C}" dt="2024-08-18T22:12:50.399" v="81" actId="1076"/>
+          <ac:spMkLst>
+            <pc:docMk/>
+            <pc:sldMk cId="3864271913" sldId="257"/>
+            <ac:spMk id="14" creationId="{405C4A17-1098-83F0-5F39-6336BD7CB4EF}"/>
+          </ac:spMkLst>
+        </pc:spChg>
+        <pc:spChg chg="add mod">
+          <ac:chgData name="Brayan Presiga Sepulveda" userId="93e047d1-d0f4-48b1-b31b-598fc0d2f576" providerId="ADAL" clId="{B7304570-CC39-4CAB-AEB8-58E93144983C}" dt="2024-08-18T22:12:58.901" v="87" actId="20577"/>
+          <ac:spMkLst>
+            <pc:docMk/>
+            <pc:sldMk cId="3864271913" sldId="257"/>
+            <ac:spMk id="15" creationId="{4F379B90-9E63-24BE-F6B3-6817AF27F4C7}"/>
+          </ac:spMkLst>
+        </pc:spChg>
+        <pc:spChg chg="add mod">
+          <ac:chgData name="Brayan Presiga Sepulveda" userId="93e047d1-d0f4-48b1-b31b-598fc0d2f576" providerId="ADAL" clId="{B7304570-CC39-4CAB-AEB8-58E93144983C}" dt="2024-08-18T22:13:17.902" v="95" actId="20577"/>
+          <ac:spMkLst>
+            <pc:docMk/>
+            <pc:sldMk cId="3864271913" sldId="257"/>
+            <ac:spMk id="16" creationId="{CEFA6CE6-DDDB-42A1-B9F9-1B1A70465F3A}"/>
+          </ac:spMkLst>
+        </pc:spChg>
+        <pc:spChg chg="add mod">
+          <ac:chgData name="Brayan Presiga Sepulveda" userId="93e047d1-d0f4-48b1-b31b-598fc0d2f576" providerId="ADAL" clId="{B7304570-CC39-4CAB-AEB8-58E93144983C}" dt="2024-08-18T22:14:22.682" v="121" actId="1076"/>
+          <ac:spMkLst>
+            <pc:docMk/>
+            <pc:sldMk cId="3864271913" sldId="257"/>
+            <ac:spMk id="17" creationId="{61910833-E11C-F483-8696-8A9DDCB204D0}"/>
+          </ac:spMkLst>
+        </pc:spChg>
+        <pc:picChg chg="mod">
+          <ac:chgData name="Brayan Presiga Sepulveda" userId="93e047d1-d0f4-48b1-b31b-598fc0d2f576" providerId="ADAL" clId="{B7304570-CC39-4CAB-AEB8-58E93144983C}" dt="2024-08-18T22:09:45.577" v="40" actId="1076"/>
+          <ac:picMkLst>
+            <pc:docMk/>
+            <pc:sldMk cId="3864271913" sldId="257"/>
+            <ac:picMk id="2" creationId="{644AE050-BB4C-E9C7-535A-9214BD2B4DC0}"/>
+          </ac:picMkLst>
+        </pc:picChg>
+      </pc:sldChg>
+      <pc:sldChg chg="addSp modSp new mod">
+        <pc:chgData name="Brayan Presiga Sepulveda" userId="93e047d1-d0f4-48b1-b31b-598fc0d2f576" providerId="ADAL" clId="{B7304570-CC39-4CAB-AEB8-58E93144983C}" dt="2024-08-18T22:23:49.338" v="333" actId="20577"/>
+        <pc:sldMkLst>
+          <pc:docMk/>
+          <pc:sldMk cId="183764993" sldId="258"/>
+        </pc:sldMkLst>
+        <pc:spChg chg="add mod">
+          <ac:chgData name="Brayan Presiga Sepulveda" userId="93e047d1-d0f4-48b1-b31b-598fc0d2f576" providerId="ADAL" clId="{B7304570-CC39-4CAB-AEB8-58E93144983C}" dt="2024-08-18T22:19:46.076" v="128" actId="13822"/>
+          <ac:spMkLst>
+            <pc:docMk/>
+            <pc:sldMk cId="183764993" sldId="258"/>
+            <ac:spMk id="2" creationId="{0D8924CC-D16A-ADFA-DA41-F1E759C81D70}"/>
+          </ac:spMkLst>
+        </pc:spChg>
+        <pc:spChg chg="add mod">
+          <ac:chgData name="Brayan Presiga Sepulveda" userId="93e047d1-d0f4-48b1-b31b-598fc0d2f576" providerId="ADAL" clId="{B7304570-CC39-4CAB-AEB8-58E93144983C}" dt="2024-08-18T22:19:58.917" v="130" actId="14100"/>
+          <ac:spMkLst>
+            <pc:docMk/>
+            <pc:sldMk cId="183764993" sldId="258"/>
+            <ac:spMk id="3" creationId="{90A3390C-168A-7866-4472-E96504799666}"/>
+          </ac:spMkLst>
+        </pc:spChg>
+        <pc:spChg chg="add mod">
+          <ac:chgData name="Brayan Presiga Sepulveda" userId="93e047d1-d0f4-48b1-b31b-598fc0d2f576" providerId="ADAL" clId="{B7304570-CC39-4CAB-AEB8-58E93144983C}" dt="2024-08-18T22:20:02.805" v="132" actId="1076"/>
+          <ac:spMkLst>
+            <pc:docMk/>
+            <pc:sldMk cId="183764993" sldId="258"/>
+            <ac:spMk id="4" creationId="{CA10C5AC-3972-A8E1-AFD4-5DD835B91E56}"/>
+          </ac:spMkLst>
+        </pc:spChg>
+        <pc:spChg chg="add mod">
+          <ac:chgData name="Brayan Presiga Sepulveda" userId="93e047d1-d0f4-48b1-b31b-598fc0d2f576" providerId="ADAL" clId="{B7304570-CC39-4CAB-AEB8-58E93144983C}" dt="2024-08-18T22:20:16.925" v="136" actId="207"/>
+          <ac:spMkLst>
+            <pc:docMk/>
+            <pc:sldMk cId="183764993" sldId="258"/>
+            <ac:spMk id="5" creationId="{4C4AA243-6FA7-5AA6-9F92-96EE9A2B0E21}"/>
+          </ac:spMkLst>
+        </pc:spChg>
+        <pc:spChg chg="add mod">
+          <ac:chgData name="Brayan Presiga Sepulveda" userId="93e047d1-d0f4-48b1-b31b-598fc0d2f576" providerId="ADAL" clId="{B7304570-CC39-4CAB-AEB8-58E93144983C}" dt="2024-08-18T22:21:41.322" v="211" actId="20577"/>
+          <ac:spMkLst>
+            <pc:docMk/>
+            <pc:sldMk cId="183764993" sldId="258"/>
+            <ac:spMk id="6" creationId="{10135B52-7204-AB19-4B0D-7BBE9AD28133}"/>
+          </ac:spMkLst>
+        </pc:spChg>
+        <pc:spChg chg="add mod">
+          <ac:chgData name="Brayan Presiga Sepulveda" userId="93e047d1-d0f4-48b1-b31b-598fc0d2f576" providerId="ADAL" clId="{B7304570-CC39-4CAB-AEB8-58E93144983C}" dt="2024-08-18T22:22:12.237" v="225" actId="20577"/>
+          <ac:spMkLst>
+            <pc:docMk/>
+            <pc:sldMk cId="183764993" sldId="258"/>
+            <ac:spMk id="7" creationId="{84B4F926-8640-2C5B-5C39-F5AD76F63022}"/>
+          </ac:spMkLst>
+        </pc:spChg>
+        <pc:spChg chg="add mod">
+          <ac:chgData name="Brayan Presiga Sepulveda" userId="93e047d1-d0f4-48b1-b31b-598fc0d2f576" providerId="ADAL" clId="{B7304570-CC39-4CAB-AEB8-58E93144983C}" dt="2024-08-18T22:23:49.338" v="333" actId="20577"/>
+          <ac:spMkLst>
+            <pc:docMk/>
+            <pc:sldMk cId="183764993" sldId="258"/>
+            <ac:spMk id="8" creationId="{F79064D0-BC75-5D8D-F680-90973A3E1B92}"/>
+          </ac:spMkLst>
+        </pc:spChg>
+        <pc:spChg chg="add mod">
+          <ac:chgData name="Brayan Presiga Sepulveda" userId="93e047d1-d0f4-48b1-b31b-598fc0d2f576" providerId="ADAL" clId="{B7304570-CC39-4CAB-AEB8-58E93144983C}" dt="2024-08-18T22:22:53.045" v="251" actId="20577"/>
+          <ac:spMkLst>
+            <pc:docMk/>
+            <pc:sldMk cId="183764993" sldId="258"/>
+            <ac:spMk id="9" creationId="{D028BF15-CCCA-AF58-4C41-486544868C0E}"/>
+          </ac:spMkLst>
+        </pc:spChg>
+        <pc:spChg chg="add mod">
+          <ac:chgData name="Brayan Presiga Sepulveda" userId="93e047d1-d0f4-48b1-b31b-598fc0d2f576" providerId="ADAL" clId="{B7304570-CC39-4CAB-AEB8-58E93144983C}" dt="2024-08-18T22:23:14.213" v="261" actId="20577"/>
+          <ac:spMkLst>
+            <pc:docMk/>
+            <pc:sldMk cId="183764993" sldId="258"/>
+            <ac:spMk id="10" creationId="{696B86FD-CFD1-D6DB-A9D3-A353E260B831}"/>
+          </ac:spMkLst>
+        </pc:spChg>
+      </pc:sldChg>
+    </pc:docChg>
+  </pc:docChgLst>
+</pc:chgInfo>
 </file>
 
 <file path=ppt/slideLayouts/slideLayout1.xml><?xml version="1.0" encoding="utf-8"?>
@@ -3376,10 +3613,1076 @@
           </a:prstGeom>
         </p:spPr>
       </p:pic>
+      <p:sp>
+        <p:nvSpPr>
+          <p:cNvPr id="3" name="Rectángulo 2">
+            <a:extLst>
+              <a:ext uri="{FF2B5EF4-FFF2-40B4-BE49-F238E27FC236}">
+                <a16:creationId xmlns:a16="http://schemas.microsoft.com/office/drawing/2014/main" id="{F72AAFF1-2E89-9B7E-56D1-1600F564F514}"/>
+              </a:ext>
+            </a:extLst>
+          </p:cNvPr>
+          <p:cNvSpPr/>
+          <p:nvPr/>
+        </p:nvSpPr>
+        <p:spPr>
+          <a:xfrm>
+            <a:off x="1634247" y="175098"/>
+            <a:ext cx="8852170" cy="535021"/>
+          </a:xfrm>
+          <a:prstGeom prst="rect">
+            <a:avLst/>
+          </a:prstGeom>
+          <a:noFill/>
+        </p:spPr>
+        <p:style>
+          <a:lnRef idx="2">
+            <a:schemeClr val="accent6"/>
+          </a:lnRef>
+          <a:fillRef idx="1">
+            <a:schemeClr val="lt1"/>
+          </a:fillRef>
+          <a:effectRef idx="0">
+            <a:schemeClr val="accent6"/>
+          </a:effectRef>
+          <a:fontRef idx="minor">
+            <a:schemeClr val="dk1"/>
+          </a:fontRef>
+        </p:style>
+        <p:txBody>
+          <a:bodyPr rtlCol="0" anchor="ctr"/>
+          <a:lstStyle/>
+          <a:p>
+            <a:pPr algn="ctr"/>
+            <a:endParaRPr lang="es-CO"/>
+          </a:p>
+        </p:txBody>
+      </p:sp>
+      <p:sp>
+        <p:nvSpPr>
+          <p:cNvPr id="4" name="Rectángulo 3">
+            <a:extLst>
+              <a:ext uri="{FF2B5EF4-FFF2-40B4-BE49-F238E27FC236}">
+                <a16:creationId xmlns:a16="http://schemas.microsoft.com/office/drawing/2014/main" id="{E02B31DC-814C-09AA-E3A6-A57F92279BB0}"/>
+              </a:ext>
+            </a:extLst>
+          </p:cNvPr>
+          <p:cNvSpPr/>
+          <p:nvPr/>
+        </p:nvSpPr>
+        <p:spPr>
+          <a:xfrm>
+            <a:off x="1634247" y="765242"/>
+            <a:ext cx="6459166" cy="1099226"/>
+          </a:xfrm>
+          <a:prstGeom prst="rect">
+            <a:avLst/>
+          </a:prstGeom>
+        </p:spPr>
+        <p:style>
+          <a:lnRef idx="2">
+            <a:schemeClr val="dk1">
+              <a:shade val="15000"/>
+            </a:schemeClr>
+          </a:lnRef>
+          <a:fillRef idx="1">
+            <a:schemeClr val="dk1"/>
+          </a:fillRef>
+          <a:effectRef idx="0">
+            <a:schemeClr val="dk1"/>
+          </a:effectRef>
+          <a:fontRef idx="minor">
+            <a:schemeClr val="lt1"/>
+          </a:fontRef>
+        </p:style>
+        <p:txBody>
+          <a:bodyPr rtlCol="0" anchor="ctr"/>
+          <a:lstStyle/>
+          <a:p>
+            <a:pPr algn="ctr"/>
+            <a:endParaRPr lang="es-CO"/>
+          </a:p>
+        </p:txBody>
+      </p:sp>
+      <p:sp>
+        <p:nvSpPr>
+          <p:cNvPr id="5" name="Rectángulo 4">
+            <a:extLst>
+              <a:ext uri="{FF2B5EF4-FFF2-40B4-BE49-F238E27FC236}">
+                <a16:creationId xmlns:a16="http://schemas.microsoft.com/office/drawing/2014/main" id="{3ED4BAC0-E4EF-B0E1-D002-989ED0636895}"/>
+              </a:ext>
+            </a:extLst>
+          </p:cNvPr>
+          <p:cNvSpPr/>
+          <p:nvPr/>
+        </p:nvSpPr>
+        <p:spPr>
+          <a:xfrm>
+            <a:off x="1634247" y="2305455"/>
+            <a:ext cx="6459166" cy="4075890"/>
+          </a:xfrm>
+          <a:prstGeom prst="rect">
+            <a:avLst/>
+          </a:prstGeom>
+          <a:noFill/>
+        </p:spPr>
+        <p:style>
+          <a:lnRef idx="2">
+            <a:schemeClr val="accent6"/>
+          </a:lnRef>
+          <a:fillRef idx="1">
+            <a:schemeClr val="lt1"/>
+          </a:fillRef>
+          <a:effectRef idx="0">
+            <a:schemeClr val="accent6"/>
+          </a:effectRef>
+          <a:fontRef idx="minor">
+            <a:schemeClr val="dk1"/>
+          </a:fontRef>
+        </p:style>
+        <p:txBody>
+          <a:bodyPr rtlCol="0" anchor="ctr"/>
+          <a:lstStyle/>
+          <a:p>
+            <a:pPr algn="ctr"/>
+            <a:r>
+              <a:rPr lang="es-CO" sz="4400" b="1" dirty="0">
+                <a:ln w="22225">
+                  <a:solidFill>
+                    <a:schemeClr val="accent2"/>
+                  </a:solidFill>
+                  <a:prstDash val="solid"/>
+                </a:ln>
+                <a:solidFill>
+                  <a:schemeClr val="accent2">
+                    <a:lumMod val="40000"/>
+                    <a:lumOff val="60000"/>
+                  </a:schemeClr>
+                </a:solidFill>
+              </a:rPr>
+              <a:t>GRID</a:t>
+            </a:r>
+            <a:endParaRPr lang="es-CO" dirty="0"/>
+          </a:p>
+        </p:txBody>
+      </p:sp>
+      <p:sp>
+        <p:nvSpPr>
+          <p:cNvPr id="6" name="Rectángulo 5">
+            <a:extLst>
+              <a:ext uri="{FF2B5EF4-FFF2-40B4-BE49-F238E27FC236}">
+                <a16:creationId xmlns:a16="http://schemas.microsoft.com/office/drawing/2014/main" id="{7C5499A3-21D0-1837-9EF3-1982D223AB48}"/>
+              </a:ext>
+            </a:extLst>
+          </p:cNvPr>
+          <p:cNvSpPr/>
+          <p:nvPr/>
+        </p:nvSpPr>
+        <p:spPr>
+          <a:xfrm>
+            <a:off x="8093413" y="710119"/>
+            <a:ext cx="2393004" cy="5671226"/>
+          </a:xfrm>
+          <a:prstGeom prst="rect">
+            <a:avLst/>
+          </a:prstGeom>
+          <a:noFill/>
+        </p:spPr>
+        <p:style>
+          <a:lnRef idx="2">
+            <a:schemeClr val="accent6"/>
+          </a:lnRef>
+          <a:fillRef idx="1">
+            <a:schemeClr val="lt1"/>
+          </a:fillRef>
+          <a:effectRef idx="0">
+            <a:schemeClr val="accent6"/>
+          </a:effectRef>
+          <a:fontRef idx="minor">
+            <a:schemeClr val="dk1"/>
+          </a:fontRef>
+        </p:style>
+        <p:txBody>
+          <a:bodyPr rtlCol="0" anchor="ctr"/>
+          <a:lstStyle/>
+          <a:p>
+            <a:pPr algn="ctr"/>
+            <a:endParaRPr lang="es-CO"/>
+          </a:p>
+        </p:txBody>
+      </p:sp>
+      <p:sp>
+        <p:nvSpPr>
+          <p:cNvPr id="7" name="Rectángulo 6">
+            <a:extLst>
+              <a:ext uri="{FF2B5EF4-FFF2-40B4-BE49-F238E27FC236}">
+                <a16:creationId xmlns:a16="http://schemas.microsoft.com/office/drawing/2014/main" id="{1463673C-89D2-EB0E-1B6E-5DB497C9342C}"/>
+              </a:ext>
+            </a:extLst>
+          </p:cNvPr>
+          <p:cNvSpPr/>
+          <p:nvPr/>
+        </p:nvSpPr>
+        <p:spPr>
+          <a:xfrm>
+            <a:off x="1481847" y="710119"/>
+            <a:ext cx="9004570" cy="5671226"/>
+          </a:xfrm>
+          <a:prstGeom prst="rect">
+            <a:avLst/>
+          </a:prstGeom>
+          <a:noFill/>
+          <a:ln>
+            <a:solidFill>
+              <a:srgbClr val="FF0000"/>
+            </a:solidFill>
+          </a:ln>
+        </p:spPr>
+        <p:style>
+          <a:lnRef idx="2">
+            <a:schemeClr val="accent6"/>
+          </a:lnRef>
+          <a:fillRef idx="1">
+            <a:schemeClr val="lt1"/>
+          </a:fillRef>
+          <a:effectRef idx="0">
+            <a:schemeClr val="accent6"/>
+          </a:effectRef>
+          <a:fontRef idx="minor">
+            <a:schemeClr val="dk1"/>
+          </a:fontRef>
+        </p:style>
+        <p:txBody>
+          <a:bodyPr rtlCol="0" anchor="ctr"/>
+          <a:lstStyle/>
+          <a:p>
+            <a:pPr algn="ctr"/>
+            <a:endParaRPr lang="es-CO"/>
+          </a:p>
+        </p:txBody>
+      </p:sp>
+      <p:sp>
+        <p:nvSpPr>
+          <p:cNvPr id="8" name="Rectángulo 7">
+            <a:extLst>
+              <a:ext uri="{FF2B5EF4-FFF2-40B4-BE49-F238E27FC236}">
+                <a16:creationId xmlns:a16="http://schemas.microsoft.com/office/drawing/2014/main" id="{7D633432-EC4D-2795-18D9-3DB9800FC18B}"/>
+              </a:ext>
+            </a:extLst>
+          </p:cNvPr>
+          <p:cNvSpPr/>
+          <p:nvPr/>
+        </p:nvSpPr>
+        <p:spPr>
+          <a:xfrm>
+            <a:off x="8093413" y="1945531"/>
+            <a:ext cx="2393004" cy="4357991"/>
+          </a:xfrm>
+          <a:prstGeom prst="rect">
+            <a:avLst/>
+          </a:prstGeom>
+          <a:noFill/>
+        </p:spPr>
+        <p:style>
+          <a:lnRef idx="2">
+            <a:schemeClr val="accent1">
+              <a:shade val="15000"/>
+            </a:schemeClr>
+          </a:lnRef>
+          <a:fillRef idx="1">
+            <a:schemeClr val="accent1"/>
+          </a:fillRef>
+          <a:effectRef idx="0">
+            <a:schemeClr val="accent1"/>
+          </a:effectRef>
+          <a:fontRef idx="minor">
+            <a:schemeClr val="lt1"/>
+          </a:fontRef>
+        </p:style>
+        <p:txBody>
+          <a:bodyPr rtlCol="0" anchor="ctr"/>
+          <a:lstStyle/>
+          <a:p>
+            <a:pPr algn="ctr"/>
+            <a:endParaRPr lang="es-CO"/>
+          </a:p>
+        </p:txBody>
+      </p:sp>
+      <p:sp>
+        <p:nvSpPr>
+          <p:cNvPr id="10" name="Rectángulo 9">
+            <a:extLst>
+              <a:ext uri="{FF2B5EF4-FFF2-40B4-BE49-F238E27FC236}">
+                <a16:creationId xmlns:a16="http://schemas.microsoft.com/office/drawing/2014/main" id="{79D9EDBD-7BE9-1743-A0B0-03430396936A}"/>
+              </a:ext>
+            </a:extLst>
+          </p:cNvPr>
+          <p:cNvSpPr/>
+          <p:nvPr/>
+        </p:nvSpPr>
+        <p:spPr>
+          <a:xfrm>
+            <a:off x="8093413" y="765242"/>
+            <a:ext cx="2295727" cy="1099226"/>
+          </a:xfrm>
+          <a:prstGeom prst="rect">
+            <a:avLst/>
+          </a:prstGeom>
+        </p:spPr>
+        <p:style>
+          <a:lnRef idx="2">
+            <a:schemeClr val="accent1">
+              <a:shade val="15000"/>
+            </a:schemeClr>
+          </a:lnRef>
+          <a:fillRef idx="1">
+            <a:schemeClr val="accent1"/>
+          </a:fillRef>
+          <a:effectRef idx="0">
+            <a:schemeClr val="accent1"/>
+          </a:effectRef>
+          <a:fontRef idx="minor">
+            <a:schemeClr val="lt1"/>
+          </a:fontRef>
+        </p:style>
+        <p:txBody>
+          <a:bodyPr rtlCol="0" anchor="ctr"/>
+          <a:lstStyle/>
+          <a:p>
+            <a:pPr algn="ctr"/>
+            <a:endParaRPr lang="es-CO"/>
+          </a:p>
+        </p:txBody>
+      </p:sp>
+      <p:sp>
+        <p:nvSpPr>
+          <p:cNvPr id="11" name="Rectángulo 10">
+            <a:extLst>
+              <a:ext uri="{FF2B5EF4-FFF2-40B4-BE49-F238E27FC236}">
+                <a16:creationId xmlns:a16="http://schemas.microsoft.com/office/drawing/2014/main" id="{937E192C-15F6-B435-6FE6-C02665D1612B}"/>
+              </a:ext>
+            </a:extLst>
+          </p:cNvPr>
+          <p:cNvSpPr/>
+          <p:nvPr/>
+        </p:nvSpPr>
+        <p:spPr>
+          <a:xfrm>
+            <a:off x="1634247" y="1864468"/>
+            <a:ext cx="6459166" cy="440987"/>
+          </a:xfrm>
+          <a:prstGeom prst="rect">
+            <a:avLst/>
+          </a:prstGeom>
+          <a:noFill/>
+        </p:spPr>
+        <p:style>
+          <a:lnRef idx="2">
+            <a:schemeClr val="accent1">
+              <a:shade val="15000"/>
+            </a:schemeClr>
+          </a:lnRef>
+          <a:fillRef idx="1">
+            <a:schemeClr val="accent1"/>
+          </a:fillRef>
+          <a:effectRef idx="0">
+            <a:schemeClr val="accent1"/>
+          </a:effectRef>
+          <a:fontRef idx="minor">
+            <a:schemeClr val="lt1"/>
+          </a:fontRef>
+        </p:style>
+        <p:txBody>
+          <a:bodyPr rtlCol="0" anchor="ctr"/>
+          <a:lstStyle/>
+          <a:p>
+            <a:pPr algn="ctr"/>
+            <a:endParaRPr lang="es-CO"/>
+          </a:p>
+        </p:txBody>
+      </p:sp>
+      <p:sp>
+        <p:nvSpPr>
+          <p:cNvPr id="13" name="Rectángulo 12">
+            <a:extLst>
+              <a:ext uri="{FF2B5EF4-FFF2-40B4-BE49-F238E27FC236}">
+                <a16:creationId xmlns:a16="http://schemas.microsoft.com/office/drawing/2014/main" id="{CAD7758F-0383-C76C-7568-F066DF28EEE8}"/>
+              </a:ext>
+            </a:extLst>
+          </p:cNvPr>
+          <p:cNvSpPr/>
+          <p:nvPr/>
+        </p:nvSpPr>
+        <p:spPr>
+          <a:xfrm>
+            <a:off x="1634247" y="1864468"/>
+            <a:ext cx="6459166" cy="4516877"/>
+          </a:xfrm>
+          <a:prstGeom prst="rect">
+            <a:avLst/>
+          </a:prstGeom>
+          <a:noFill/>
+          <a:ln>
+            <a:solidFill>
+              <a:schemeClr val="accent2"/>
+            </a:solidFill>
+          </a:ln>
+        </p:spPr>
+        <p:style>
+          <a:lnRef idx="2">
+            <a:schemeClr val="accent1">
+              <a:shade val="15000"/>
+            </a:schemeClr>
+          </a:lnRef>
+          <a:fillRef idx="1">
+            <a:schemeClr val="accent1"/>
+          </a:fillRef>
+          <a:effectRef idx="0">
+            <a:schemeClr val="accent1"/>
+          </a:effectRef>
+          <a:fontRef idx="minor">
+            <a:schemeClr val="lt1"/>
+          </a:fontRef>
+        </p:style>
+        <p:txBody>
+          <a:bodyPr rtlCol="0" anchor="ctr"/>
+          <a:lstStyle/>
+          <a:p>
+            <a:pPr algn="ctr"/>
+            <a:endParaRPr lang="es-CO"/>
+          </a:p>
+        </p:txBody>
+      </p:sp>
+      <p:sp>
+        <p:nvSpPr>
+          <p:cNvPr id="14" name="CuadroTexto 13">
+            <a:extLst>
+              <a:ext uri="{FF2B5EF4-FFF2-40B4-BE49-F238E27FC236}">
+                <a16:creationId xmlns:a16="http://schemas.microsoft.com/office/drawing/2014/main" id="{405C4A17-1098-83F0-5F39-6336BD7CB4EF}"/>
+              </a:ext>
+            </a:extLst>
+          </p:cNvPr>
+          <p:cNvSpPr txBox="1"/>
+          <p:nvPr/>
+        </p:nvSpPr>
+        <p:spPr>
+          <a:xfrm>
+            <a:off x="9444747" y="2036253"/>
+            <a:ext cx="828304" cy="369332"/>
+          </a:xfrm>
+          <a:prstGeom prst="rect">
+            <a:avLst/>
+          </a:prstGeom>
+          <a:noFill/>
+        </p:spPr>
+        <p:txBody>
+          <a:bodyPr wrap="none" rtlCol="0">
+            <a:spAutoFit/>
+          </a:bodyPr>
+          <a:lstStyle/>
+          <a:p>
+            <a:r>
+              <a:rPr lang="es-CO" b="1" dirty="0"/>
+              <a:t>ASIDE</a:t>
+            </a:r>
+          </a:p>
+        </p:txBody>
+      </p:sp>
+      <p:sp>
+        <p:nvSpPr>
+          <p:cNvPr id="15" name="CuadroTexto 14">
+            <a:extLst>
+              <a:ext uri="{FF2B5EF4-FFF2-40B4-BE49-F238E27FC236}">
+                <a16:creationId xmlns:a16="http://schemas.microsoft.com/office/drawing/2014/main" id="{4F379B90-9E63-24BE-F6B3-6817AF27F4C7}"/>
+              </a:ext>
+            </a:extLst>
+          </p:cNvPr>
+          <p:cNvSpPr txBox="1"/>
+          <p:nvPr/>
+        </p:nvSpPr>
+        <p:spPr>
+          <a:xfrm>
+            <a:off x="1634247" y="2110005"/>
+            <a:ext cx="750526" cy="369332"/>
+          </a:xfrm>
+          <a:prstGeom prst="rect">
+            <a:avLst/>
+          </a:prstGeom>
+          <a:noFill/>
+        </p:spPr>
+        <p:txBody>
+          <a:bodyPr wrap="none" rtlCol="0">
+            <a:spAutoFit/>
+          </a:bodyPr>
+          <a:lstStyle/>
+          <a:p>
+            <a:r>
+              <a:rPr lang="es-CO" b="1" dirty="0"/>
+              <a:t>MAIN</a:t>
+            </a:r>
+          </a:p>
+        </p:txBody>
+      </p:sp>
+      <p:sp>
+        <p:nvSpPr>
+          <p:cNvPr id="16" name="CuadroTexto 15">
+            <a:extLst>
+              <a:ext uri="{FF2B5EF4-FFF2-40B4-BE49-F238E27FC236}">
+                <a16:creationId xmlns:a16="http://schemas.microsoft.com/office/drawing/2014/main" id="{CEFA6CE6-DDDB-42A1-B9F9-1B1A70465F3A}"/>
+              </a:ext>
+            </a:extLst>
+          </p:cNvPr>
+          <p:cNvSpPr txBox="1"/>
+          <p:nvPr/>
+        </p:nvSpPr>
+        <p:spPr>
+          <a:xfrm>
+            <a:off x="7051743" y="1940827"/>
+            <a:ext cx="697627" cy="369332"/>
+          </a:xfrm>
+          <a:prstGeom prst="rect">
+            <a:avLst/>
+          </a:prstGeom>
+          <a:noFill/>
+        </p:spPr>
+        <p:txBody>
+          <a:bodyPr wrap="none" rtlCol="0">
+            <a:spAutoFit/>
+          </a:bodyPr>
+          <a:lstStyle/>
+          <a:p>
+            <a:r>
+              <a:rPr lang="es-CO" b="1" dirty="0"/>
+              <a:t>FLEX</a:t>
+            </a:r>
+          </a:p>
+        </p:txBody>
+      </p:sp>
+      <p:sp>
+        <p:nvSpPr>
+          <p:cNvPr id="17" name="CuadroTexto 16">
+            <a:extLst>
+              <a:ext uri="{FF2B5EF4-FFF2-40B4-BE49-F238E27FC236}">
+                <a16:creationId xmlns:a16="http://schemas.microsoft.com/office/drawing/2014/main" id="{61910833-E11C-F483-8696-8A9DDCB204D0}"/>
+              </a:ext>
+            </a:extLst>
+          </p:cNvPr>
+          <p:cNvSpPr txBox="1"/>
+          <p:nvPr/>
+        </p:nvSpPr>
+        <p:spPr>
+          <a:xfrm>
+            <a:off x="8682205" y="2453549"/>
+            <a:ext cx="1804212" cy="646331"/>
+          </a:xfrm>
+          <a:prstGeom prst="rect">
+            <a:avLst/>
+          </a:prstGeom>
+          <a:noFill/>
+        </p:spPr>
+        <p:txBody>
+          <a:bodyPr wrap="none" rtlCol="0">
+            <a:spAutoFit/>
+          </a:bodyPr>
+          <a:lstStyle/>
+          <a:p>
+            <a:r>
+              <a:rPr lang="es-CO" b="1" dirty="0"/>
+              <a:t>DISPLAY: FIXED</a:t>
+            </a:r>
+          </a:p>
+          <a:p>
+            <a:r>
+              <a:rPr lang="es-CO" b="1" dirty="0"/>
+              <a:t>O STICKY</a:t>
+            </a:r>
+          </a:p>
+        </p:txBody>
+      </p:sp>
     </p:spTree>
     <p:extLst>
       <p:ext uri="{BB962C8B-B14F-4D97-AF65-F5344CB8AC3E}">
         <p14:creationId xmlns:p14="http://schemas.microsoft.com/office/powerpoint/2010/main" val="3864271913"/>
+      </p:ext>
+    </p:extLst>
+  </p:cSld>
+  <p:clrMapOvr>
+    <a:masterClrMapping/>
+  </p:clrMapOvr>
+</p:sld>
+</file>
+
+<file path=ppt/slides/slide2.xml><?xml version="1.0" encoding="utf-8"?>
+<p:sld xmlns:a="http://schemas.openxmlformats.org/drawingml/2006/main" xmlns:r="http://schemas.openxmlformats.org/officeDocument/2006/relationships" xmlns:p="http://schemas.openxmlformats.org/presentationml/2006/main">
+  <p:cSld>
+    <p:spTree>
+      <p:nvGrpSpPr>
+        <p:cNvPr id="1" name=""/>
+        <p:cNvGrpSpPr/>
+        <p:nvPr/>
+      </p:nvGrpSpPr>
+      <p:grpSpPr>
+        <a:xfrm>
+          <a:off x="0" y="0"/>
+          <a:ext cx="0" cy="0"/>
+          <a:chOff x="0" y="0"/>
+          <a:chExt cx="0" cy="0"/>
+        </a:xfrm>
+      </p:grpSpPr>
+      <p:sp>
+        <p:nvSpPr>
+          <p:cNvPr id="2" name="Rectángulo 1">
+            <a:extLst>
+              <a:ext uri="{FF2B5EF4-FFF2-40B4-BE49-F238E27FC236}">
+                <a16:creationId xmlns:a16="http://schemas.microsoft.com/office/drawing/2014/main" id="{0D8924CC-D16A-ADFA-DA41-F1E759C81D70}"/>
+              </a:ext>
+            </a:extLst>
+          </p:cNvPr>
+          <p:cNvSpPr/>
+          <p:nvPr/>
+        </p:nvSpPr>
+        <p:spPr>
+          <a:xfrm>
+            <a:off x="0" y="0"/>
+            <a:ext cx="12192000" cy="6858000"/>
+          </a:xfrm>
+          <a:prstGeom prst="rect">
+            <a:avLst/>
+          </a:prstGeom>
+        </p:spPr>
+        <p:style>
+          <a:lnRef idx="2">
+            <a:schemeClr val="dk1">
+              <a:shade val="15000"/>
+            </a:schemeClr>
+          </a:lnRef>
+          <a:fillRef idx="1">
+            <a:schemeClr val="dk1"/>
+          </a:fillRef>
+          <a:effectRef idx="0">
+            <a:schemeClr val="dk1"/>
+          </a:effectRef>
+          <a:fontRef idx="minor">
+            <a:schemeClr val="lt1"/>
+          </a:fontRef>
+        </p:style>
+        <p:txBody>
+          <a:bodyPr rtlCol="0" anchor="ctr"/>
+          <a:lstStyle/>
+          <a:p>
+            <a:pPr algn="ctr"/>
+            <a:endParaRPr lang="es-CO"/>
+          </a:p>
+        </p:txBody>
+      </p:sp>
+      <p:sp>
+        <p:nvSpPr>
+          <p:cNvPr id="3" name="Rectángulo 2">
+            <a:extLst>
+              <a:ext uri="{FF2B5EF4-FFF2-40B4-BE49-F238E27FC236}">
+                <a16:creationId xmlns:a16="http://schemas.microsoft.com/office/drawing/2014/main" id="{90A3390C-168A-7866-4472-E96504799666}"/>
+              </a:ext>
+            </a:extLst>
+          </p:cNvPr>
+          <p:cNvSpPr/>
+          <p:nvPr/>
+        </p:nvSpPr>
+        <p:spPr>
+          <a:xfrm>
+            <a:off x="0" y="0"/>
+            <a:ext cx="12192000" cy="579120"/>
+          </a:xfrm>
+          <a:prstGeom prst="rect">
+            <a:avLst/>
+          </a:prstGeom>
+        </p:spPr>
+        <p:style>
+          <a:lnRef idx="2">
+            <a:schemeClr val="accent1">
+              <a:shade val="15000"/>
+            </a:schemeClr>
+          </a:lnRef>
+          <a:fillRef idx="1">
+            <a:schemeClr val="accent1"/>
+          </a:fillRef>
+          <a:effectRef idx="0">
+            <a:schemeClr val="accent1"/>
+          </a:effectRef>
+          <a:fontRef idx="minor">
+            <a:schemeClr val="lt1"/>
+          </a:fontRef>
+        </p:style>
+        <p:txBody>
+          <a:bodyPr rtlCol="0" anchor="ctr"/>
+          <a:lstStyle/>
+          <a:p>
+            <a:pPr algn="ctr"/>
+            <a:endParaRPr lang="es-CO"/>
+          </a:p>
+        </p:txBody>
+      </p:sp>
+      <p:sp>
+        <p:nvSpPr>
+          <p:cNvPr id="4" name="Rectángulo 3">
+            <a:extLst>
+              <a:ext uri="{FF2B5EF4-FFF2-40B4-BE49-F238E27FC236}">
+                <a16:creationId xmlns:a16="http://schemas.microsoft.com/office/drawing/2014/main" id="{CA10C5AC-3972-A8E1-AFD4-5DD835B91E56}"/>
+              </a:ext>
+            </a:extLst>
+          </p:cNvPr>
+          <p:cNvSpPr/>
+          <p:nvPr/>
+        </p:nvSpPr>
+        <p:spPr>
+          <a:xfrm>
+            <a:off x="0" y="6370320"/>
+            <a:ext cx="12192000" cy="579120"/>
+          </a:xfrm>
+          <a:prstGeom prst="rect">
+            <a:avLst/>
+          </a:prstGeom>
+        </p:spPr>
+        <p:style>
+          <a:lnRef idx="2">
+            <a:schemeClr val="accent1">
+              <a:shade val="15000"/>
+            </a:schemeClr>
+          </a:lnRef>
+          <a:fillRef idx="1">
+            <a:schemeClr val="accent1"/>
+          </a:fillRef>
+          <a:effectRef idx="0">
+            <a:schemeClr val="accent1"/>
+          </a:effectRef>
+          <a:fontRef idx="minor">
+            <a:schemeClr val="lt1"/>
+          </a:fontRef>
+        </p:style>
+        <p:txBody>
+          <a:bodyPr rtlCol="0" anchor="ctr"/>
+          <a:lstStyle/>
+          <a:p>
+            <a:pPr algn="ctr"/>
+            <a:endParaRPr lang="es-CO"/>
+          </a:p>
+        </p:txBody>
+      </p:sp>
+      <p:sp>
+        <p:nvSpPr>
+          <p:cNvPr id="5" name="Rectángulo 4">
+            <a:extLst>
+              <a:ext uri="{FF2B5EF4-FFF2-40B4-BE49-F238E27FC236}">
+                <a16:creationId xmlns:a16="http://schemas.microsoft.com/office/drawing/2014/main" id="{4C4AA243-6FA7-5AA6-9F92-96EE9A2B0E21}"/>
+              </a:ext>
+            </a:extLst>
+          </p:cNvPr>
+          <p:cNvSpPr/>
+          <p:nvPr/>
+        </p:nvSpPr>
+        <p:spPr>
+          <a:xfrm>
+            <a:off x="0" y="579120"/>
+            <a:ext cx="12192000" cy="5791200"/>
+          </a:xfrm>
+          <a:prstGeom prst="rect">
+            <a:avLst/>
+          </a:prstGeom>
+          <a:solidFill>
+            <a:schemeClr val="accent5"/>
+          </a:solidFill>
+        </p:spPr>
+        <p:style>
+          <a:lnRef idx="2">
+            <a:schemeClr val="accent1">
+              <a:shade val="15000"/>
+            </a:schemeClr>
+          </a:lnRef>
+          <a:fillRef idx="1">
+            <a:schemeClr val="accent1"/>
+          </a:fillRef>
+          <a:effectRef idx="0">
+            <a:schemeClr val="accent1"/>
+          </a:effectRef>
+          <a:fontRef idx="minor">
+            <a:schemeClr val="lt1"/>
+          </a:fontRef>
+        </p:style>
+        <p:txBody>
+          <a:bodyPr rtlCol="0" anchor="ctr"/>
+          <a:lstStyle/>
+          <a:p>
+            <a:pPr algn="ctr"/>
+            <a:endParaRPr lang="es-CO"/>
+          </a:p>
+        </p:txBody>
+      </p:sp>
+      <p:sp>
+        <p:nvSpPr>
+          <p:cNvPr id="6" name="Rectángulo 5">
+            <a:extLst>
+              <a:ext uri="{FF2B5EF4-FFF2-40B4-BE49-F238E27FC236}">
+                <a16:creationId xmlns:a16="http://schemas.microsoft.com/office/drawing/2014/main" id="{10135B52-7204-AB19-4B0D-7BBE9AD28133}"/>
+              </a:ext>
+            </a:extLst>
+          </p:cNvPr>
+          <p:cNvSpPr/>
+          <p:nvPr/>
+        </p:nvSpPr>
+        <p:spPr>
+          <a:xfrm>
+            <a:off x="121920" y="670560"/>
+            <a:ext cx="11998960" cy="2194560"/>
+          </a:xfrm>
+          <a:prstGeom prst="rect">
+            <a:avLst/>
+          </a:prstGeom>
+          <a:solidFill>
+            <a:schemeClr val="accent6">
+              <a:lumMod val="60000"/>
+              <a:lumOff val="40000"/>
+            </a:schemeClr>
+          </a:solidFill>
+        </p:spPr>
+        <p:style>
+          <a:lnRef idx="2">
+            <a:schemeClr val="accent1">
+              <a:shade val="15000"/>
+            </a:schemeClr>
+          </a:lnRef>
+          <a:fillRef idx="1">
+            <a:schemeClr val="accent1"/>
+          </a:fillRef>
+          <a:effectRef idx="0">
+            <a:schemeClr val="accent1"/>
+          </a:effectRef>
+          <a:fontRef idx="minor">
+            <a:schemeClr val="lt1"/>
+          </a:fontRef>
+        </p:style>
+        <p:txBody>
+          <a:bodyPr rtlCol="0" anchor="ctr"/>
+          <a:lstStyle/>
+          <a:p>
+            <a:pPr algn="ctr"/>
+            <a:r>
+              <a:rPr lang="es-CO" dirty="0"/>
+              <a:t>DESCRIPCION DE LA EMPRESA Y NUESTRA COMIDA CON UNA IMAGEN</a:t>
+            </a:r>
+          </a:p>
+        </p:txBody>
+      </p:sp>
+      <p:sp>
+        <p:nvSpPr>
+          <p:cNvPr id="7" name="Rectángulo 6">
+            <a:extLst>
+              <a:ext uri="{FF2B5EF4-FFF2-40B4-BE49-F238E27FC236}">
+                <a16:creationId xmlns:a16="http://schemas.microsoft.com/office/drawing/2014/main" id="{84B4F926-8640-2C5B-5C39-F5AD76F63022}"/>
+              </a:ext>
+            </a:extLst>
+          </p:cNvPr>
+          <p:cNvSpPr/>
+          <p:nvPr/>
+        </p:nvSpPr>
+        <p:spPr>
+          <a:xfrm>
+            <a:off x="86360" y="2865120"/>
+            <a:ext cx="11998960" cy="2123440"/>
+          </a:xfrm>
+          <a:prstGeom prst="rect">
+            <a:avLst/>
+          </a:prstGeom>
+          <a:solidFill>
+            <a:schemeClr val="accent6">
+              <a:lumMod val="60000"/>
+              <a:lumOff val="40000"/>
+            </a:schemeClr>
+          </a:solidFill>
+        </p:spPr>
+        <p:style>
+          <a:lnRef idx="2">
+            <a:schemeClr val="accent1">
+              <a:shade val="15000"/>
+            </a:schemeClr>
+          </a:lnRef>
+          <a:fillRef idx="1">
+            <a:schemeClr val="accent1"/>
+          </a:fillRef>
+          <a:effectRef idx="0">
+            <a:schemeClr val="accent1"/>
+          </a:effectRef>
+          <a:fontRef idx="minor">
+            <a:schemeClr val="lt1"/>
+          </a:fontRef>
+        </p:style>
+        <p:txBody>
+          <a:bodyPr rtlCol="0" anchor="ctr"/>
+          <a:lstStyle/>
+          <a:p>
+            <a:pPr algn="ctr"/>
+            <a:r>
+              <a:rPr lang="es-CO" dirty="0"/>
+              <a:t>ENLACE AL MENU</a:t>
+            </a:r>
+          </a:p>
+        </p:txBody>
+      </p:sp>
+      <p:sp>
+        <p:nvSpPr>
+          <p:cNvPr id="8" name="Rectángulo 7">
+            <a:extLst>
+              <a:ext uri="{FF2B5EF4-FFF2-40B4-BE49-F238E27FC236}">
+                <a16:creationId xmlns:a16="http://schemas.microsoft.com/office/drawing/2014/main" id="{F79064D0-BC75-5D8D-F680-90973A3E1B92}"/>
+              </a:ext>
+            </a:extLst>
+          </p:cNvPr>
+          <p:cNvSpPr/>
+          <p:nvPr/>
+        </p:nvSpPr>
+        <p:spPr>
+          <a:xfrm>
+            <a:off x="86360" y="4846320"/>
+            <a:ext cx="11998960" cy="1478280"/>
+          </a:xfrm>
+          <a:prstGeom prst="rect">
+            <a:avLst/>
+          </a:prstGeom>
+          <a:solidFill>
+            <a:schemeClr val="accent6">
+              <a:lumMod val="60000"/>
+              <a:lumOff val="40000"/>
+            </a:schemeClr>
+          </a:solidFill>
+        </p:spPr>
+        <p:style>
+          <a:lnRef idx="2">
+            <a:schemeClr val="accent1">
+              <a:shade val="15000"/>
+            </a:schemeClr>
+          </a:lnRef>
+          <a:fillRef idx="1">
+            <a:schemeClr val="accent1"/>
+          </a:fillRef>
+          <a:effectRef idx="0">
+            <a:schemeClr val="accent1"/>
+          </a:effectRef>
+          <a:fontRef idx="minor">
+            <a:schemeClr val="lt1"/>
+          </a:fontRef>
+        </p:style>
+        <p:txBody>
+          <a:bodyPr rtlCol="0" anchor="ctr"/>
+          <a:lstStyle/>
+          <a:p>
+            <a:pPr algn="ctr"/>
+            <a:r>
+              <a:rPr lang="es-CO" dirty="0"/>
+              <a:t>NOSTROS, FOTO CON UNA PEQUEÑO COMENTARIO O DESCRIPCIÓN DE CADA UNO</a:t>
+            </a:r>
+          </a:p>
+        </p:txBody>
+      </p:sp>
+      <p:sp>
+        <p:nvSpPr>
+          <p:cNvPr id="9" name="Rectángulo 8">
+            <a:extLst>
+              <a:ext uri="{FF2B5EF4-FFF2-40B4-BE49-F238E27FC236}">
+                <a16:creationId xmlns:a16="http://schemas.microsoft.com/office/drawing/2014/main" id="{D028BF15-CCCA-AF58-4C41-486544868C0E}"/>
+              </a:ext>
+            </a:extLst>
+          </p:cNvPr>
+          <p:cNvSpPr/>
+          <p:nvPr/>
+        </p:nvSpPr>
+        <p:spPr>
+          <a:xfrm>
+            <a:off x="121920" y="2956560"/>
+            <a:ext cx="2682240" cy="1889760"/>
+          </a:xfrm>
+          <a:prstGeom prst="rect">
+            <a:avLst/>
+          </a:prstGeom>
+        </p:spPr>
+        <p:style>
+          <a:lnRef idx="2">
+            <a:schemeClr val="accent1">
+              <a:shade val="15000"/>
+            </a:schemeClr>
+          </a:lnRef>
+          <a:fillRef idx="1">
+            <a:schemeClr val="accent1"/>
+          </a:fillRef>
+          <a:effectRef idx="0">
+            <a:schemeClr val="accent1"/>
+          </a:effectRef>
+          <a:fontRef idx="minor">
+            <a:schemeClr val="lt1"/>
+          </a:fontRef>
+        </p:style>
+        <p:txBody>
+          <a:bodyPr rtlCol="0" anchor="ctr"/>
+          <a:lstStyle/>
+          <a:p>
+            <a:pPr algn="ctr"/>
+            <a:r>
+              <a:rPr lang="es-CO" dirty="0"/>
+              <a:t>ENTRADAS (IMAGEN)</a:t>
+            </a:r>
+          </a:p>
+        </p:txBody>
+      </p:sp>
+      <p:sp>
+        <p:nvSpPr>
+          <p:cNvPr id="10" name="Rectángulo 9">
+            <a:extLst>
+              <a:ext uri="{FF2B5EF4-FFF2-40B4-BE49-F238E27FC236}">
+                <a16:creationId xmlns:a16="http://schemas.microsoft.com/office/drawing/2014/main" id="{696B86FD-CFD1-D6DB-A9D3-A353E260B831}"/>
+              </a:ext>
+            </a:extLst>
+          </p:cNvPr>
+          <p:cNvSpPr/>
+          <p:nvPr/>
+        </p:nvSpPr>
+        <p:spPr>
+          <a:xfrm>
+            <a:off x="2804160" y="2946400"/>
+            <a:ext cx="2682240" cy="1889760"/>
+          </a:xfrm>
+          <a:prstGeom prst="rect">
+            <a:avLst/>
+          </a:prstGeom>
+        </p:spPr>
+        <p:style>
+          <a:lnRef idx="2">
+            <a:schemeClr val="accent1">
+              <a:shade val="15000"/>
+            </a:schemeClr>
+          </a:lnRef>
+          <a:fillRef idx="1">
+            <a:schemeClr val="accent1"/>
+          </a:fillRef>
+          <a:effectRef idx="0">
+            <a:schemeClr val="accent1"/>
+          </a:effectRef>
+          <a:fontRef idx="minor">
+            <a:schemeClr val="lt1"/>
+          </a:fontRef>
+        </p:style>
+        <p:txBody>
+          <a:bodyPr rtlCol="0" anchor="ctr"/>
+          <a:lstStyle/>
+          <a:p>
+            <a:pPr algn="ctr"/>
+            <a:r>
+              <a:rPr lang="es-CO" dirty="0"/>
+              <a:t>PRINCIPAL (IMAGEN)</a:t>
+            </a:r>
+          </a:p>
+        </p:txBody>
+      </p:sp>
+    </p:spTree>
+    <p:extLst>
+      <p:ext uri="{BB962C8B-B14F-4D97-AF65-F5344CB8AC3E}">
+        <p14:creationId xmlns:p14="http://schemas.microsoft.com/office/powerpoint/2010/main" val="183764993"/>
       </p:ext>
     </p:extLst>
   </p:cSld>

--- a/layoutMenú.pptx
+++ b/layoutMenú.pptx
@@ -498,7 +498,7 @@
           <a:p>
             <a:fld id="{EA9FD3F8-DA2D-47F6-956C-7F3E6CDCAEE5}" type="datetimeFigureOut">
               <a:rPr lang="es-CO" smtClean="0"/>
-              <a:t>18/08/2024</a:t>
+              <a:t>20/08/2024</a:t>
             </a:fld>
             <a:endParaRPr lang="es-CO"/>
           </a:p>
@@ -698,7 +698,7 @@
           <a:p>
             <a:fld id="{EA9FD3F8-DA2D-47F6-956C-7F3E6CDCAEE5}" type="datetimeFigureOut">
               <a:rPr lang="es-CO" smtClean="0"/>
-              <a:t>18/08/2024</a:t>
+              <a:t>20/08/2024</a:t>
             </a:fld>
             <a:endParaRPr lang="es-CO"/>
           </a:p>
@@ -908,7 +908,7 @@
           <a:p>
             <a:fld id="{EA9FD3F8-DA2D-47F6-956C-7F3E6CDCAEE5}" type="datetimeFigureOut">
               <a:rPr lang="es-CO" smtClean="0"/>
-              <a:t>18/08/2024</a:t>
+              <a:t>20/08/2024</a:t>
             </a:fld>
             <a:endParaRPr lang="es-CO"/>
           </a:p>
@@ -1108,7 +1108,7 @@
           <a:p>
             <a:fld id="{EA9FD3F8-DA2D-47F6-956C-7F3E6CDCAEE5}" type="datetimeFigureOut">
               <a:rPr lang="es-CO" smtClean="0"/>
-              <a:t>18/08/2024</a:t>
+              <a:t>20/08/2024</a:t>
             </a:fld>
             <a:endParaRPr lang="es-CO"/>
           </a:p>
@@ -1384,7 +1384,7 @@
           <a:p>
             <a:fld id="{EA9FD3F8-DA2D-47F6-956C-7F3E6CDCAEE5}" type="datetimeFigureOut">
               <a:rPr lang="es-CO" smtClean="0"/>
-              <a:t>18/08/2024</a:t>
+              <a:t>20/08/2024</a:t>
             </a:fld>
             <a:endParaRPr lang="es-CO"/>
           </a:p>
@@ -1652,7 +1652,7 @@
           <a:p>
             <a:fld id="{EA9FD3F8-DA2D-47F6-956C-7F3E6CDCAEE5}" type="datetimeFigureOut">
               <a:rPr lang="es-CO" smtClean="0"/>
-              <a:t>18/08/2024</a:t>
+              <a:t>20/08/2024</a:t>
             </a:fld>
             <a:endParaRPr lang="es-CO"/>
           </a:p>
@@ -2067,7 +2067,7 @@
           <a:p>
             <a:fld id="{EA9FD3F8-DA2D-47F6-956C-7F3E6CDCAEE5}" type="datetimeFigureOut">
               <a:rPr lang="es-CO" smtClean="0"/>
-              <a:t>18/08/2024</a:t>
+              <a:t>20/08/2024</a:t>
             </a:fld>
             <a:endParaRPr lang="es-CO"/>
           </a:p>
@@ -2209,7 +2209,7 @@
           <a:p>
             <a:fld id="{EA9FD3F8-DA2D-47F6-956C-7F3E6CDCAEE5}" type="datetimeFigureOut">
               <a:rPr lang="es-CO" smtClean="0"/>
-              <a:t>18/08/2024</a:t>
+              <a:t>20/08/2024</a:t>
             </a:fld>
             <a:endParaRPr lang="es-CO"/>
           </a:p>
@@ -2322,7 +2322,7 @@
           <a:p>
             <a:fld id="{EA9FD3F8-DA2D-47F6-956C-7F3E6CDCAEE5}" type="datetimeFigureOut">
               <a:rPr lang="es-CO" smtClean="0"/>
-              <a:t>18/08/2024</a:t>
+              <a:t>20/08/2024</a:t>
             </a:fld>
             <a:endParaRPr lang="es-CO"/>
           </a:p>
@@ -2635,7 +2635,7 @@
           <a:p>
             <a:fld id="{EA9FD3F8-DA2D-47F6-956C-7F3E6CDCAEE5}" type="datetimeFigureOut">
               <a:rPr lang="es-CO" smtClean="0"/>
-              <a:t>18/08/2024</a:t>
+              <a:t>20/08/2024</a:t>
             </a:fld>
             <a:endParaRPr lang="es-CO"/>
           </a:p>
@@ -2924,7 +2924,7 @@
           <a:p>
             <a:fld id="{EA9FD3F8-DA2D-47F6-956C-7F3E6CDCAEE5}" type="datetimeFigureOut">
               <a:rPr lang="es-CO" smtClean="0"/>
-              <a:t>18/08/2024</a:t>
+              <a:t>20/08/2024</a:t>
             </a:fld>
             <a:endParaRPr lang="es-CO"/>
           </a:p>
@@ -3167,7 +3167,7 @@
           <a:p>
             <a:fld id="{EA9FD3F8-DA2D-47F6-956C-7F3E6CDCAEE5}" type="datetimeFigureOut">
               <a:rPr lang="es-CO" smtClean="0"/>
-              <a:t>18/08/2024</a:t>
+              <a:t>20/08/2024</a:t>
             </a:fld>
             <a:endParaRPr lang="es-CO"/>
           </a:p>
